--- a/DOC/HybridMaxUser.pptx
+++ b/DOC/HybridMaxUser.pptx
@@ -221,20 +221,23 @@
           <c:invertIfNegative val="0"/>
           <c:cat>
             <c:numRef>
-              <c:f>Sheet1!$A$2:$A$5</c:f>
+              <c:f>Sheet1!$A$2:$A$6</c:f>
               <c:numCache>
                 <c:formatCode>General</c:formatCode>
-                <c:ptCount val="4"/>
+                <c:ptCount val="5"/>
                 <c:pt idx="0">
                   <c:v>1600</c:v>
                 </c:pt>
                 <c:pt idx="1">
+                  <c:v>10000</c:v>
+                </c:pt>
+                <c:pt idx="2">
                   <c:v>16000</c:v>
                 </c:pt>
-                <c:pt idx="2">
+                <c:pt idx="3">
                   <c:v>32000</c:v>
                 </c:pt>
-                <c:pt idx="3">
+                <c:pt idx="4">
                   <c:v>60000</c:v>
                 </c:pt>
               </c:numCache>
@@ -242,10 +245,10 @@
           </c:cat>
           <c:val>
             <c:numRef>
-              <c:f>Sheet1!$B$2:$B$5</c:f>
+              <c:f>Sheet1!$B$2:$B$6</c:f>
               <c:numCache>
-                <c:formatCode>General</c:formatCode>
-                <c:ptCount val="4"/>
+                <c:formatCode>0.000</c:formatCode>
+                <c:ptCount val="5"/>
                 <c:pt idx="0">
                   <c:v>0.05</c:v>
                 </c:pt>
@@ -256,6 +259,9 @@
                   <c:v>7.0000000000000007E-2</c:v>
                 </c:pt>
                 <c:pt idx="3">
+                  <c:v>7.0000000000000007E-2</c:v>
+                </c:pt>
+                <c:pt idx="4">
                   <c:v>7.0000000000000007E-2</c:v>
                 </c:pt>
               </c:numCache>
@@ -288,20 +294,23 @@
           <c:invertIfNegative val="0"/>
           <c:cat>
             <c:numRef>
-              <c:f>Sheet1!$A$2:$A$5</c:f>
+              <c:f>Sheet1!$A$2:$A$6</c:f>
               <c:numCache>
                 <c:formatCode>General</c:formatCode>
-                <c:ptCount val="4"/>
+                <c:ptCount val="5"/>
                 <c:pt idx="0">
                   <c:v>1600</c:v>
                 </c:pt>
                 <c:pt idx="1">
+                  <c:v>10000</c:v>
+                </c:pt>
+                <c:pt idx="2">
                   <c:v>16000</c:v>
                 </c:pt>
-                <c:pt idx="2">
+                <c:pt idx="3">
                   <c:v>32000</c:v>
                 </c:pt>
-                <c:pt idx="3">
+                <c:pt idx="4">
                   <c:v>60000</c:v>
                 </c:pt>
               </c:numCache>
@@ -309,21 +318,24 @@
           </c:cat>
           <c:val>
             <c:numRef>
-              <c:f>Sheet1!$C$2:$C$5</c:f>
+              <c:f>Sheet1!$C$2:$C$6</c:f>
               <c:numCache>
-                <c:formatCode>General</c:formatCode>
-                <c:ptCount val="4"/>
+                <c:formatCode>0.000</c:formatCode>
+                <c:ptCount val="5"/>
                 <c:pt idx="0">
+                  <c:v>1.4E-2</c:v>
+                </c:pt>
+                <c:pt idx="1">
                   <c:v>0.04</c:v>
                 </c:pt>
-                <c:pt idx="1">
-                  <c:v>0.24</c:v>
-                </c:pt>
                 <c:pt idx="2">
-                  <c:v>0.37</c:v>
+                  <c:v>7.0000000000000007E-2</c:v>
                 </c:pt>
                 <c:pt idx="3">
-                  <c:v>0.75</c:v>
+                  <c:v>0.13900000000000001</c:v>
+                </c:pt>
+                <c:pt idx="4">
+                  <c:v>0.28599999999999998</c:v>
                 </c:pt>
               </c:numCache>
             </c:numRef>
@@ -339,11 +351,11 @@
         </c:dLbls>
         <c:gapWidth val="219"/>
         <c:overlap val="-27"/>
-        <c:axId val="151566280"/>
-        <c:axId val="151563144"/>
+        <c:axId val="164157896"/>
+        <c:axId val="164154760"/>
       </c:barChart>
       <c:catAx>
-        <c:axId val="151566280"/>
+        <c:axId val="164157896"/>
         <c:scaling>
           <c:orientation val="minMax"/>
         </c:scaling>
@@ -386,7 +398,7 @@
             <a:endParaRPr lang="en-US"/>
           </a:p>
         </c:txPr>
-        <c:crossAx val="151563144"/>
+        <c:crossAx val="164154760"/>
         <c:crosses val="autoZero"/>
         <c:auto val="1"/>
         <c:lblAlgn val="ctr"/>
@@ -394,7 +406,7 @@
         <c:noMultiLvlLbl val="0"/>
       </c:catAx>
       <c:valAx>
-        <c:axId val="151563144"/>
+        <c:axId val="164154760"/>
         <c:scaling>
           <c:orientation val="minMax"/>
         </c:scaling>
@@ -414,7 +426,7 @@
             <a:effectLst/>
           </c:spPr>
         </c:majorGridlines>
-        <c:numFmt formatCode="General" sourceLinked="1"/>
+        <c:numFmt formatCode="0.000" sourceLinked="1"/>
         <c:majorTickMark val="none"/>
         <c:minorTickMark val="none"/>
         <c:tickLblPos val="nextTo"/>
@@ -445,7 +457,7 @@
             <a:endParaRPr lang="en-US"/>
           </a:p>
         </c:txPr>
-        <c:crossAx val="151566280"/>
+        <c:crossAx val="164157896"/>
         <c:crosses val="autoZero"/>
         <c:crossBetween val="between"/>
       </c:valAx>
@@ -1142,7 +1154,7 @@
             <a:fld id="{0D0AE301-06AB-4F10-847A-F4B32D3A7EBD}" type="datetimeFigureOut">
               <a:rPr lang="en-US" smtClean="0"/>
               <a:pPr/>
-              <a:t>2/9/2016</a:t>
+              <a:t>2/10/2016</a:t>
             </a:fld>
             <a:endParaRPr lang="en-US"/>
           </a:p>
@@ -1310,7 +1322,7 @@
             <a:fld id="{C1E37943-0423-4588-888F-1ADDD99A541B}" type="datetimeFigureOut">
               <a:rPr lang="en-US" smtClean="0"/>
               <a:pPr/>
-              <a:t>2/9/2016</a:t>
+              <a:t>2/10/2016</a:t>
             </a:fld>
             <a:endParaRPr lang="en-US"/>
           </a:p>
@@ -1967,7 +1979,7 @@
             <a:fld id="{8BC23C2D-4AF2-464A-8AC6-B5BEED2EAD45}" type="datetime1">
               <a:rPr lang="en-US" smtClean="0"/>
               <a:pPr/>
-              <a:t>2/9/2016</a:t>
+              <a:t>2/10/2016</a:t>
             </a:fld>
             <a:endParaRPr lang="en-US"/>
           </a:p>
@@ -2139,7 +2151,7 @@
             <a:fld id="{9EC5F3FE-3AB6-4387-98B2-E76174E9D729}" type="datetime1">
               <a:rPr lang="en-US" smtClean="0"/>
               <a:pPr/>
-              <a:t>2/9/2016</a:t>
+              <a:t>2/10/2016</a:t>
             </a:fld>
             <a:endParaRPr lang="en-US"/>
           </a:p>
@@ -2321,7 +2333,7 @@
             <a:fld id="{F80DB03E-7DEC-48A3-8406-D515BAA64D65}" type="datetime1">
               <a:rPr lang="en-US" smtClean="0"/>
               <a:pPr/>
-              <a:t>2/9/2016</a:t>
+              <a:t>2/10/2016</a:t>
             </a:fld>
             <a:endParaRPr lang="en-US"/>
           </a:p>
@@ -2493,7 +2505,7 @@
             <a:fld id="{33B19346-3C66-4686-B0E9-1A32ABDEDD80}" type="datetime1">
               <a:rPr lang="en-US" smtClean="0"/>
               <a:pPr/>
-              <a:t>2/9/2016</a:t>
+              <a:t>2/10/2016</a:t>
             </a:fld>
             <a:endParaRPr lang="en-US"/>
           </a:p>
@@ -2745,7 +2757,7 @@
             <a:fld id="{E747D57B-50FE-49B4-93A2-49992D9A05DA}" type="datetime1">
               <a:rPr lang="en-US" smtClean="0"/>
               <a:pPr/>
-              <a:t>2/9/2016</a:t>
+              <a:t>2/10/2016</a:t>
             </a:fld>
             <a:endParaRPr lang="en-US"/>
           </a:p>
@@ -2979,7 +2991,7 @@
             <a:fld id="{D0FC3977-D01E-4579-8A3D-06BFB2635E32}" type="datetime1">
               <a:rPr lang="en-US" smtClean="0"/>
               <a:pPr/>
-              <a:t>2/9/2016</a:t>
+              <a:t>2/10/2016</a:t>
             </a:fld>
             <a:endParaRPr lang="en-US"/>
           </a:p>
@@ -3352,7 +3364,7 @@
             <a:fld id="{BDD22916-5ED1-4B96-B8CA-3797BD54AD43}" type="datetime1">
               <a:rPr lang="en-US" smtClean="0"/>
               <a:pPr/>
-              <a:t>2/9/2016</a:t>
+              <a:t>2/10/2016</a:t>
             </a:fld>
             <a:endParaRPr lang="en-US"/>
           </a:p>
@@ -3476,7 +3488,7 @@
             <a:fld id="{913FA1CE-D4EE-4515-B2AB-41A2E2C1E4E6}" type="datetime1">
               <a:rPr lang="en-US" smtClean="0"/>
               <a:pPr/>
-              <a:t>2/9/2016</a:t>
+              <a:t>2/10/2016</a:t>
             </a:fld>
             <a:endParaRPr lang="en-US"/>
           </a:p>
@@ -3577,7 +3589,7 @@
             <a:fld id="{E27C0B56-252F-4F9D-B399-3961C39D3F75}" type="datetime1">
               <a:rPr lang="en-US" smtClean="0"/>
               <a:pPr/>
-              <a:t>2/9/2016</a:t>
+              <a:t>2/10/2016</a:t>
             </a:fld>
             <a:endParaRPr lang="en-US"/>
           </a:p>
@@ -3856,7 +3868,7 @@
             <a:fld id="{1BBAC746-D706-4B7B-BFC6-BF91757DC82E}" type="datetime1">
               <a:rPr lang="en-US" smtClean="0"/>
               <a:pPr/>
-              <a:t>2/9/2016</a:t>
+              <a:t>2/10/2016</a:t>
             </a:fld>
             <a:endParaRPr lang="en-US"/>
           </a:p>
@@ -4111,7 +4123,7 @@
             <a:fld id="{C3CE5F6A-099B-4D78-AA06-42CEF31ABE64}" type="datetime1">
               <a:rPr lang="en-US" smtClean="0"/>
               <a:pPr/>
-              <a:t>2/9/2016</a:t>
+              <a:t>2/10/2016</a:t>
             </a:fld>
             <a:endParaRPr lang="en-US"/>
           </a:p>
@@ -4326,7 +4338,7 @@
             <a:fld id="{FFC367AB-372E-4D30-9E3F-9D851A2FE81B}" type="datetime1">
               <a:rPr lang="en-US" smtClean="0"/>
               <a:pPr/>
-              <a:t>2/9/2016</a:t>
+              <a:t>2/10/2016</a:t>
             </a:fld>
             <a:endParaRPr lang="en-US"/>
           </a:p>
@@ -5716,14 +5728,7 @@
                 <a:latin typeface="Arial" panose="020B0604020202020204" pitchFamily="34" charset="0"/>
                 <a:cs typeface="Arial" panose="020B0604020202020204" pitchFamily="34" charset="0"/>
               </a:rPr>
-              <a:t>Results: </a:t>
-            </a:r>
-            <a:r>
-              <a:rPr lang="en-US" dirty="0" smtClean="0">
-                <a:latin typeface="Arial" panose="020B0604020202020204" pitchFamily="34" charset="0"/>
-                <a:cs typeface="Arial" panose="020B0604020202020204" pitchFamily="34" charset="0"/>
-              </a:rPr>
-              <a:t>Speed DFE vs CPU</a:t>
+              <a:t>Results: Speed DFE vs CPU</a:t>
             </a:r>
             <a:endParaRPr lang="en-US" dirty="0">
               <a:latin typeface="Arial" panose="020B0604020202020204" pitchFamily="34" charset="0"/>
@@ -5742,7 +5747,7 @@
             <p:ph idx="1"/>
             <p:extLst>
               <p:ext uri="{D42A27DB-BD31-4B8C-83A1-F6EECF244321}">
-                <p14:modId xmlns:p14="http://schemas.microsoft.com/office/powerpoint/2010/main" val="3564716578"/>
+                <p14:modId xmlns:p14="http://schemas.microsoft.com/office/powerpoint/2010/main" val="3258045354"/>
               </p:ext>
             </p:extLst>
           </p:nvPr>
